--- a/Clase 3/Clase3.pptx
+++ b/Clase 3/Clase3.pptx
@@ -9268,12 +9268,20 @@
               <a:buNone/>
             </a:pPr>
             <a:r>
+              <a:rPr lang="es-419" sz="1600">
+                <a:solidFill>
+                  <a:srgbClr val="0000FF"/>
+                </a:solidFill>
+              </a:rPr>
+              <a:t>ALTER </a:t>
+            </a:r>
+            <a:r>
               <a:rPr lang="es-419" sz="1600" dirty="0">
                 <a:solidFill>
                   <a:srgbClr val="0000FF"/>
                 </a:solidFill>
               </a:rPr>
-              <a:t>ALTE ROLE &lt;nombre del rol&gt; WITH &lt;opciones&gt;</a:t>
+              <a:t>ROLE &lt;nombre del rol&gt; WITH &lt;opciones&gt;</a:t>
             </a:r>
           </a:p>
           <a:p>
